--- a/Words/Treball de recerca.pptx
+++ b/Words/Treball de recerca.pptx
@@ -5,7 +5,7 @@
     <p:sldMasterId id="2147483648" r:id="rId1"/>
   </p:sldMasterIdLst>
   <p:notesMasterIdLst>
-    <p:notesMasterId r:id="rId8"/>
+    <p:notesMasterId r:id="rId9"/>
   </p:notesMasterIdLst>
   <p:sldIdLst>
     <p:sldId id="256" r:id="rId2"/>
@@ -14,6 +14,7 @@
     <p:sldId id="261" r:id="rId5"/>
     <p:sldId id="259" r:id="rId6"/>
     <p:sldId id="260" r:id="rId7"/>
+    <p:sldId id="262" r:id="rId8"/>
   </p:sldIdLst>
   <p:sldSz cx="12192000" cy="6858000"/>
   <p:notesSz cx="6858000" cy="9144000"/>
@@ -137,7 +138,15 @@
             <p14:sldId id="260"/>
           </p14:sldIdLst>
         </p14:section>
+        <p14:section name="Final" id="{B3E5B61A-CDE9-4919-8FAA-B6A5530DB0A0}">
+          <p14:sldIdLst>
+            <p14:sldId id="262"/>
+          </p14:sldIdLst>
+        </p14:section>
       </p14:sectionLst>
+    </p:ext>
+    <p:ext uri="{EFAFB233-063F-42B5-8137-9DF3F51BA10A}">
+      <p15:sldGuideLst xmlns:p15="http://schemas.microsoft.com/office/powerpoint/2012/main"/>
     </p:ext>
   </p:extLst>
 </p:presentation>
@@ -3505,7 +3514,7 @@
           <a:p>
             <a:fld id="{44479FB0-800D-4C85-99E3-37003CD78F5C}" type="datetimeFigureOut">
               <a:rPr lang="es-ES" smtClean="0"/>
-              <a:t>30/12/2018</a:t>
+              <a:t>05/01/2019</a:t>
             </a:fld>
             <a:endParaRPr lang="es-ES"/>
           </a:p>
@@ -3664,7 +3673,7 @@
           <a:p>
             <a:fld id="{5B92C312-1B70-404B-BE52-11C6AE03C8FF}" type="slidenum">
               <a:rPr lang="es-ES" smtClean="0"/>
-              <a:t>‹#›</a:t>
+              <a:t>‹Nº›</a:t>
             </a:fld>
             <a:endParaRPr lang="es-ES"/>
           </a:p>
@@ -3922,7 +3931,7 @@
           <a:p>
             <a:fld id="{F2691C69-603D-4667-81EA-3DBA1BD39D16}" type="datetimeFigureOut">
               <a:rPr lang="es-ES" smtClean="0"/>
-              <a:t>30/12/2018</a:t>
+              <a:t>05/01/2019</a:t>
             </a:fld>
             <a:endParaRPr lang="es-ES"/>
           </a:p>
@@ -3976,7 +3985,7 @@
           <a:p>
             <a:fld id="{B7CC1F6E-B8FD-4FEC-B806-AF59F7323C3B}" type="slidenum">
               <a:rPr lang="es-ES" smtClean="0"/>
-              <a:t>‹#›</a:t>
+              <a:t>‹Nº›</a:t>
             </a:fld>
             <a:endParaRPr lang="es-ES"/>
           </a:p>
@@ -4122,7 +4131,7 @@
           <a:p>
             <a:fld id="{F2691C69-603D-4667-81EA-3DBA1BD39D16}" type="datetimeFigureOut">
               <a:rPr lang="es-ES" smtClean="0"/>
-              <a:t>30/12/2018</a:t>
+              <a:t>05/01/2019</a:t>
             </a:fld>
             <a:endParaRPr lang="es-ES"/>
           </a:p>
@@ -4176,7 +4185,7 @@
           <a:p>
             <a:fld id="{B7CC1F6E-B8FD-4FEC-B806-AF59F7323C3B}" type="slidenum">
               <a:rPr lang="es-ES" smtClean="0"/>
-              <a:t>‹#›</a:t>
+              <a:t>‹Nº›</a:t>
             </a:fld>
             <a:endParaRPr lang="es-ES"/>
           </a:p>
@@ -4332,7 +4341,7 @@
           <a:p>
             <a:fld id="{F2691C69-603D-4667-81EA-3DBA1BD39D16}" type="datetimeFigureOut">
               <a:rPr lang="es-ES" smtClean="0"/>
-              <a:t>30/12/2018</a:t>
+              <a:t>05/01/2019</a:t>
             </a:fld>
             <a:endParaRPr lang="es-ES"/>
           </a:p>
@@ -4386,7 +4395,7 @@
           <a:p>
             <a:fld id="{B7CC1F6E-B8FD-4FEC-B806-AF59F7323C3B}" type="slidenum">
               <a:rPr lang="es-ES" smtClean="0"/>
-              <a:t>‹#›</a:t>
+              <a:t>‹Nº›</a:t>
             </a:fld>
             <a:endParaRPr lang="es-ES"/>
           </a:p>
@@ -4532,7 +4541,7 @@
           <a:p>
             <a:fld id="{F2691C69-603D-4667-81EA-3DBA1BD39D16}" type="datetimeFigureOut">
               <a:rPr lang="es-ES" smtClean="0"/>
-              <a:t>30/12/2018</a:t>
+              <a:t>05/01/2019</a:t>
             </a:fld>
             <a:endParaRPr lang="es-ES"/>
           </a:p>
@@ -4586,7 +4595,7 @@
           <a:p>
             <a:fld id="{B7CC1F6E-B8FD-4FEC-B806-AF59F7323C3B}" type="slidenum">
               <a:rPr lang="es-ES" smtClean="0"/>
-              <a:t>‹#›</a:t>
+              <a:t>‹Nº›</a:t>
             </a:fld>
             <a:endParaRPr lang="es-ES"/>
           </a:p>
@@ -4808,7 +4817,7 @@
           <a:p>
             <a:fld id="{F2691C69-603D-4667-81EA-3DBA1BD39D16}" type="datetimeFigureOut">
               <a:rPr lang="es-ES" smtClean="0"/>
-              <a:t>30/12/2018</a:t>
+              <a:t>05/01/2019</a:t>
             </a:fld>
             <a:endParaRPr lang="es-ES"/>
           </a:p>
@@ -4862,7 +4871,7 @@
           <a:p>
             <a:fld id="{B7CC1F6E-B8FD-4FEC-B806-AF59F7323C3B}" type="slidenum">
               <a:rPr lang="es-ES" smtClean="0"/>
-              <a:t>‹#›</a:t>
+              <a:t>‹Nº›</a:t>
             </a:fld>
             <a:endParaRPr lang="es-ES"/>
           </a:p>
@@ -5076,7 +5085,7 @@
           <a:p>
             <a:fld id="{F2691C69-603D-4667-81EA-3DBA1BD39D16}" type="datetimeFigureOut">
               <a:rPr lang="es-ES" smtClean="0"/>
-              <a:t>30/12/2018</a:t>
+              <a:t>05/01/2019</a:t>
             </a:fld>
             <a:endParaRPr lang="es-ES"/>
           </a:p>
@@ -5130,7 +5139,7 @@
           <a:p>
             <a:fld id="{B7CC1F6E-B8FD-4FEC-B806-AF59F7323C3B}" type="slidenum">
               <a:rPr lang="es-ES" smtClean="0"/>
-              <a:t>‹#›</a:t>
+              <a:t>‹Nº›</a:t>
             </a:fld>
             <a:endParaRPr lang="es-ES"/>
           </a:p>
@@ -5491,7 +5500,7 @@
           <a:p>
             <a:fld id="{F2691C69-603D-4667-81EA-3DBA1BD39D16}" type="datetimeFigureOut">
               <a:rPr lang="es-ES" smtClean="0"/>
-              <a:t>30/12/2018</a:t>
+              <a:t>05/01/2019</a:t>
             </a:fld>
             <a:endParaRPr lang="es-ES"/>
           </a:p>
@@ -5545,7 +5554,7 @@
           <a:p>
             <a:fld id="{B7CC1F6E-B8FD-4FEC-B806-AF59F7323C3B}" type="slidenum">
               <a:rPr lang="es-ES" smtClean="0"/>
-              <a:t>‹#›</a:t>
+              <a:t>‹Nº›</a:t>
             </a:fld>
             <a:endParaRPr lang="es-ES"/>
           </a:p>
@@ -5633,7 +5642,7 @@
           <a:p>
             <a:fld id="{F2691C69-603D-4667-81EA-3DBA1BD39D16}" type="datetimeFigureOut">
               <a:rPr lang="es-ES" smtClean="0"/>
-              <a:t>30/12/2018</a:t>
+              <a:t>05/01/2019</a:t>
             </a:fld>
             <a:endParaRPr lang="es-ES"/>
           </a:p>
@@ -5687,7 +5696,7 @@
           <a:p>
             <a:fld id="{B7CC1F6E-B8FD-4FEC-B806-AF59F7323C3B}" type="slidenum">
               <a:rPr lang="es-ES" smtClean="0"/>
-              <a:t>‹#›</a:t>
+              <a:t>‹Nº›</a:t>
             </a:fld>
             <a:endParaRPr lang="es-ES"/>
           </a:p>
@@ -5746,7 +5755,7 @@
           <a:p>
             <a:fld id="{F2691C69-603D-4667-81EA-3DBA1BD39D16}" type="datetimeFigureOut">
               <a:rPr lang="es-ES" smtClean="0"/>
-              <a:t>30/12/2018</a:t>
+              <a:t>05/01/2019</a:t>
             </a:fld>
             <a:endParaRPr lang="es-ES"/>
           </a:p>
@@ -5800,7 +5809,7 @@
           <a:p>
             <a:fld id="{B7CC1F6E-B8FD-4FEC-B806-AF59F7323C3B}" type="slidenum">
               <a:rPr lang="es-ES" smtClean="0"/>
-              <a:t>‹#›</a:t>
+              <a:t>‹Nº›</a:t>
             </a:fld>
             <a:endParaRPr lang="es-ES"/>
           </a:p>
@@ -6059,7 +6068,7 @@
           <a:p>
             <a:fld id="{F2691C69-603D-4667-81EA-3DBA1BD39D16}" type="datetimeFigureOut">
               <a:rPr lang="es-ES" smtClean="0"/>
-              <a:t>30/12/2018</a:t>
+              <a:t>05/01/2019</a:t>
             </a:fld>
             <a:endParaRPr lang="es-ES"/>
           </a:p>
@@ -6113,7 +6122,7 @@
           <a:p>
             <a:fld id="{B7CC1F6E-B8FD-4FEC-B806-AF59F7323C3B}" type="slidenum">
               <a:rPr lang="es-ES" smtClean="0"/>
-              <a:t>‹#›</a:t>
+              <a:t>‹Nº›</a:t>
             </a:fld>
             <a:endParaRPr lang="es-ES"/>
           </a:p>
@@ -6348,7 +6357,7 @@
           <a:p>
             <a:fld id="{F2691C69-603D-4667-81EA-3DBA1BD39D16}" type="datetimeFigureOut">
               <a:rPr lang="es-ES" smtClean="0"/>
-              <a:t>30/12/2018</a:t>
+              <a:t>05/01/2019</a:t>
             </a:fld>
             <a:endParaRPr lang="es-ES"/>
           </a:p>
@@ -6402,7 +6411,7 @@
           <a:p>
             <a:fld id="{B7CC1F6E-B8FD-4FEC-B806-AF59F7323C3B}" type="slidenum">
               <a:rPr lang="es-ES" smtClean="0"/>
-              <a:t>‹#›</a:t>
+              <a:t>‹Nº›</a:t>
             </a:fld>
             <a:endParaRPr lang="es-ES"/>
           </a:p>
@@ -6591,7 +6600,7 @@
           <a:p>
             <a:fld id="{F2691C69-603D-4667-81EA-3DBA1BD39D16}" type="datetimeFigureOut">
               <a:rPr lang="es-ES" smtClean="0"/>
-              <a:t>30/12/2018</a:t>
+              <a:t>05/01/2019</a:t>
             </a:fld>
             <a:endParaRPr lang="es-ES"/>
           </a:p>
@@ -6681,7 +6690,7 @@
           <a:p>
             <a:fld id="{B7CC1F6E-B8FD-4FEC-B806-AF59F7323C3B}" type="slidenum">
               <a:rPr lang="es-ES" smtClean="0"/>
-              <a:t>‹#›</a:t>
+              <a:t>‹Nº›</a:t>
             </a:fld>
             <a:endParaRPr lang="es-ES"/>
           </a:p>
@@ -8830,6 +8839,86 @@
     <p:extLst>
       <p:ext uri="{BB962C8B-B14F-4D97-AF65-F5344CB8AC3E}">
         <p14:creationId xmlns:p14="http://schemas.microsoft.com/office/powerpoint/2010/main" val="3061261539"/>
+      </p:ext>
+    </p:extLst>
+  </p:cSld>
+  <p:clrMapOvr>
+    <a:masterClrMapping/>
+  </p:clrMapOvr>
+</p:sld>
+</file>
+
+<file path=ppt/slides/slide7.xml><?xml version="1.0" encoding="utf-8"?>
+<p:sld xmlns:a="http://schemas.openxmlformats.org/drawingml/2006/main" xmlns:r="http://schemas.openxmlformats.org/officeDocument/2006/relationships" xmlns:p="http://schemas.openxmlformats.org/presentationml/2006/main">
+  <p:cSld>
+    <p:spTree>
+      <p:nvGrpSpPr>
+        <p:cNvPr id="1" name=""/>
+        <p:cNvGrpSpPr/>
+        <p:nvPr/>
+      </p:nvGrpSpPr>
+      <p:grpSpPr>
+        <a:xfrm>
+          <a:off x="0" y="0"/>
+          <a:ext cx="0" cy="0"/>
+          <a:chOff x="0" y="0"/>
+          <a:chExt cx="0" cy="0"/>
+        </a:xfrm>
+      </p:grpSpPr>
+      <p:sp>
+        <p:nvSpPr>
+          <p:cNvPr id="2" name="Título 1">
+            <a:extLst>
+              <a:ext uri="{FF2B5EF4-FFF2-40B4-BE49-F238E27FC236}">
+                <a16:creationId xmlns:a16="http://schemas.microsoft.com/office/drawing/2014/main" id="{F1DD3AA6-2085-4086-8537-C3EFF4B69F1A}"/>
+              </a:ext>
+            </a:extLst>
+          </p:cNvPr>
+          <p:cNvSpPr>
+            <a:spLocks noGrp="1"/>
+          </p:cNvSpPr>
+          <p:nvPr>
+            <p:ph type="ctrTitle"/>
+          </p:nvPr>
+        </p:nvSpPr>
+        <p:spPr/>
+        <p:txBody>
+          <a:bodyPr/>
+          <a:lstStyle/>
+          <a:p>
+            <a:endParaRPr lang="ca-ES"/>
+          </a:p>
+        </p:txBody>
+      </p:sp>
+      <p:sp>
+        <p:nvSpPr>
+          <p:cNvPr id="3" name="Subtítulo 2">
+            <a:extLst>
+              <a:ext uri="{FF2B5EF4-FFF2-40B4-BE49-F238E27FC236}">
+                <a16:creationId xmlns:a16="http://schemas.microsoft.com/office/drawing/2014/main" id="{00DD662E-76E2-4497-BE87-5427E22F56AE}"/>
+              </a:ext>
+            </a:extLst>
+          </p:cNvPr>
+          <p:cNvSpPr>
+            <a:spLocks noGrp="1"/>
+          </p:cNvSpPr>
+          <p:nvPr>
+            <p:ph type="subTitle" idx="1"/>
+          </p:nvPr>
+        </p:nvSpPr>
+        <p:spPr/>
+        <p:txBody>
+          <a:bodyPr/>
+          <a:lstStyle/>
+          <a:p>
+            <a:endParaRPr lang="ca-ES"/>
+          </a:p>
+        </p:txBody>
+      </p:sp>
+    </p:spTree>
+    <p:extLst>
+      <p:ext uri="{BB962C8B-B14F-4D97-AF65-F5344CB8AC3E}">
+        <p14:creationId xmlns:p14="http://schemas.microsoft.com/office/powerpoint/2010/main" val="2465539452"/>
       </p:ext>
     </p:extLst>
   </p:cSld>
